--- a/Presentation/Survey System - Progress Presentation 4.pptx
+++ b/Presentation/Survey System - Progress Presentation 4.pptx
@@ -8303,7 +8303,7 @@
         <p:spPr>
           <a:xfrm>
             <a:off x="448009" y="1764268"/>
-            <a:ext cx="3406702" cy="369332"/>
+            <a:ext cx="3576620" cy="369332"/>
           </a:xfrm>
           <a:prstGeom prst="rect">
             <a:avLst/>
@@ -8329,12 +8329,21 @@
             </a:pPr>
             <a:r>
               <a:rPr lang="en-US" sz="2000" b="1" dirty="0"/>
-              <a:t>Sprint Backlog Continued</a:t>
-            </a:r>
-            <a:r>
-              <a:rPr lang="en-US" sz="1700" b="1" dirty="0"/>
+              <a:t>Sprint </a:t>
+            </a:r>
+            <a:r>
+              <a:rPr lang="en-US" sz="2000" b="1"/>
+              <a:t>Backlog </a:t>
+            </a:r>
+            <a:r>
+              <a:rPr lang="en-US" sz="2000" b="1" smtClean="0"/>
+              <a:t>(Continued)</a:t>
+            </a:r>
+            <a:r>
+              <a:rPr lang="en-US" sz="1700" b="1" smtClean="0"/>
               <a:t>:</a:t>
             </a:r>
+            <a:endParaRPr lang="en-US" sz="1700" b="1" dirty="0"/>
           </a:p>
         </p:txBody>
       </p:sp>

--- a/Presentation/Survey System - Progress Presentation 4.pptx
+++ b/Presentation/Survey System - Progress Presentation 4.pptx
@@ -8329,18 +8329,14 @@
             </a:pPr>
             <a:r>
               <a:rPr lang="en-US" sz="2000" b="1" dirty="0"/>
-              <a:t>Sprint </a:t>
-            </a:r>
-            <a:r>
-              <a:rPr lang="en-US" sz="2000" b="1"/>
-              <a:t>Backlog </a:t>
-            </a:r>
-            <a:r>
-              <a:rPr lang="en-US" sz="2000" b="1" smtClean="0"/>
+              <a:t>Sprint Backlog </a:t>
+            </a:r>
+            <a:r>
+              <a:rPr lang="en-US" sz="2000" b="1" dirty="0" smtClean="0"/>
               <a:t>(Continued)</a:t>
             </a:r>
             <a:r>
-              <a:rPr lang="en-US" sz="1700" b="1" smtClean="0"/>
+              <a:rPr lang="en-US" sz="1700" b="1" dirty="0" smtClean="0"/>
               <a:t>:</a:t>
             </a:r>
             <a:endParaRPr lang="en-US" sz="1700" b="1" dirty="0"/>
@@ -8454,33 +8450,47 @@
           <a:p>
             <a:pPr marL="1485900" lvl="2" indent="-342900"/>
             <a:r>
+              <a:rPr lang="en-US" b="0" dirty="0" smtClean="0"/>
+              <a:t>Helped </a:t>
+            </a:r>
+            <a:r>
+              <a:rPr lang="en-US" b="0" dirty="0"/>
+              <a:t>with </a:t>
+            </a:r>
+            <a:r>
               <a:rPr lang="en-US" dirty="0"/>
-              <a:t>What they did</a:t>
-            </a:r>
-          </a:p>
-          <a:p>
-            <a:pPr marL="1943100" lvl="3" indent="-342900"/>
-            <a:r>
-              <a:rPr lang="en-US" b="0" dirty="0"/>
-              <a:t>Helped with </a:t>
+              <a:t>some of the issues that I was having with editing information that is already saved and saving that to the </a:t>
+            </a:r>
+            <a:r>
+              <a:rPr lang="en-US" dirty="0" smtClean="0"/>
+              <a:t>database</a:t>
+            </a:r>
+          </a:p>
+          <a:p>
+            <a:pPr marL="1485900" lvl="2" indent="-342900"/>
+            <a:r>
+              <a:rPr lang="en-US" smtClean="0"/>
+              <a:t>Helped </a:t>
             </a:r>
             <a:r>
               <a:rPr lang="en-US" dirty="0"/>
-              <a:t>some of the issues that I was having with editing information that is already saved and saving that to the database</a:t>
-            </a:r>
-          </a:p>
-          <a:p>
-            <a:pPr marL="1943100" lvl="3" indent="-342900"/>
+              <a:t>with some of the issues that I was having with saving new information to the </a:t>
+            </a:r>
+            <a:r>
+              <a:rPr lang="en-US"/>
+              <a:t>database </a:t>
+            </a:r>
+            <a:endParaRPr lang="en-US" smtClean="0"/>
+          </a:p>
+          <a:p>
+            <a:pPr marL="1485900" lvl="2" indent="-342900"/>
+            <a:r>
+              <a:rPr lang="en-US" smtClean="0"/>
+              <a:t>Helped </a:t>
+            </a:r>
             <a:r>
               <a:rPr lang="en-US" dirty="0"/>
-              <a:t>Helped with some of the issues that I was having with saving new information to the database </a:t>
-            </a:r>
-          </a:p>
-          <a:p>
-            <a:pPr marL="1943100" lvl="3" indent="-342900"/>
-            <a:r>
-              <a:rPr lang="en-US" dirty="0"/>
-              <a:t>Helped with the navigation between pages </a:t>
+              <a:t>with the navigation between pages </a:t>
             </a:r>
             <a:endParaRPr lang="en-US" b="0" dirty="0"/>
           </a:p>

--- a/Presentation/Survey System - Progress Presentation 4.pptx
+++ b/Presentation/Survey System - Progress Presentation 4.pptx
@@ -4151,35 +4151,35 @@
                 <a:gridCol w="1539240">
                   <a:extLst>
                     <a:ext uri="{9D8B030D-6E8A-4147-A177-3AD203B41FA5}">
-                      <a16:colId xmlns:a16="http://schemas.microsoft.com/office/drawing/2014/main" xmlns="" val="20000"/>
+                      <a16:colId xmlns="" xmlns:a16="http://schemas.microsoft.com/office/drawing/2014/main" val="20000"/>
                     </a:ext>
                   </a:extLst>
                 </a:gridCol>
                 <a:gridCol w="1539240">
                   <a:extLst>
                     <a:ext uri="{9D8B030D-6E8A-4147-A177-3AD203B41FA5}">
-                      <a16:colId xmlns:a16="http://schemas.microsoft.com/office/drawing/2014/main" xmlns="" val="20001"/>
+                      <a16:colId xmlns="" xmlns:a16="http://schemas.microsoft.com/office/drawing/2014/main" val="20001"/>
                     </a:ext>
                   </a:extLst>
                 </a:gridCol>
                 <a:gridCol w="1539240">
                   <a:extLst>
                     <a:ext uri="{9D8B030D-6E8A-4147-A177-3AD203B41FA5}">
-                      <a16:colId xmlns:a16="http://schemas.microsoft.com/office/drawing/2014/main" xmlns="" val="20002"/>
+                      <a16:colId xmlns="" xmlns:a16="http://schemas.microsoft.com/office/drawing/2014/main" val="20002"/>
                     </a:ext>
                   </a:extLst>
                 </a:gridCol>
                 <a:gridCol w="1539240">
                   <a:extLst>
                     <a:ext uri="{9D8B030D-6E8A-4147-A177-3AD203B41FA5}">
-                      <a16:colId xmlns:a16="http://schemas.microsoft.com/office/drawing/2014/main" xmlns="" val="20003"/>
+                      <a16:colId xmlns="" xmlns:a16="http://schemas.microsoft.com/office/drawing/2014/main" val="20003"/>
                     </a:ext>
                   </a:extLst>
                 </a:gridCol>
                 <a:gridCol w="1539240">
                   <a:extLst>
                     <a:ext uri="{9D8B030D-6E8A-4147-A177-3AD203B41FA5}">
-                      <a16:colId xmlns:a16="http://schemas.microsoft.com/office/drawing/2014/main" xmlns="" val="20004"/>
+                      <a16:colId xmlns="" xmlns:a16="http://schemas.microsoft.com/office/drawing/2014/main" val="20004"/>
                     </a:ext>
                   </a:extLst>
                 </a:gridCol>
@@ -4496,7 +4496,7 @@
                 </a:tc>
                 <a:extLst>
                   <a:ext uri="{0D108BD9-81ED-4DB2-BD59-A6C34878D82A}">
-                    <a16:rowId xmlns:a16="http://schemas.microsoft.com/office/drawing/2014/main" xmlns="" val="10000"/>
+                    <a16:rowId xmlns="" xmlns:a16="http://schemas.microsoft.com/office/drawing/2014/main" val="10000"/>
                   </a:ext>
                 </a:extLst>
               </a:tr>
@@ -4851,7 +4851,7 @@
                 </a:tc>
                 <a:extLst>
                   <a:ext uri="{0D108BD9-81ED-4DB2-BD59-A6C34878D82A}">
-                    <a16:rowId xmlns:a16="http://schemas.microsoft.com/office/drawing/2014/main" xmlns="" val="10001"/>
+                    <a16:rowId xmlns="" xmlns:a16="http://schemas.microsoft.com/office/drawing/2014/main" val="10001"/>
                   </a:ext>
                 </a:extLst>
               </a:tr>
@@ -5234,7 +5234,7 @@
                 </a:tc>
                 <a:extLst>
                   <a:ext uri="{0D108BD9-81ED-4DB2-BD59-A6C34878D82A}">
-                    <a16:rowId xmlns:a16="http://schemas.microsoft.com/office/drawing/2014/main" xmlns="" val="2470469174"/>
+                    <a16:rowId xmlns="" xmlns:a16="http://schemas.microsoft.com/office/drawing/2014/main" val="2470469174"/>
                   </a:ext>
                 </a:extLst>
               </a:tr>
@@ -5598,7 +5598,7 @@
                 </a:tc>
                 <a:extLst>
                   <a:ext uri="{0D108BD9-81ED-4DB2-BD59-A6C34878D82A}">
-                    <a16:rowId xmlns:a16="http://schemas.microsoft.com/office/drawing/2014/main" xmlns="" val="367061047"/>
+                    <a16:rowId xmlns="" xmlns:a16="http://schemas.microsoft.com/office/drawing/2014/main" val="367061047"/>
                   </a:ext>
                 </a:extLst>
               </a:tr>
@@ -5962,7 +5962,7 @@
                 </a:tc>
                 <a:extLst>
                   <a:ext uri="{0D108BD9-81ED-4DB2-BD59-A6C34878D82A}">
-                    <a16:rowId xmlns:a16="http://schemas.microsoft.com/office/drawing/2014/main" xmlns="" val="867905450"/>
+                    <a16:rowId xmlns="" xmlns:a16="http://schemas.microsoft.com/office/drawing/2014/main" val="867905450"/>
                   </a:ext>
                 </a:extLst>
               </a:tr>
@@ -6326,7 +6326,7 @@
                 </a:tc>
                 <a:extLst>
                   <a:ext uri="{0D108BD9-81ED-4DB2-BD59-A6C34878D82A}">
-                    <a16:rowId xmlns:a16="http://schemas.microsoft.com/office/drawing/2014/main" xmlns="" val="3605993288"/>
+                    <a16:rowId xmlns="" xmlns:a16="http://schemas.microsoft.com/office/drawing/2014/main" val="3605993288"/>
                   </a:ext>
                 </a:extLst>
               </a:tr>
@@ -6473,35 +6473,35 @@
                 <a:gridCol w="1539240">
                   <a:extLst>
                     <a:ext uri="{9D8B030D-6E8A-4147-A177-3AD203B41FA5}">
-                      <a16:colId xmlns:a16="http://schemas.microsoft.com/office/drawing/2014/main" xmlns="" val="20000"/>
+                      <a16:colId xmlns="" xmlns:a16="http://schemas.microsoft.com/office/drawing/2014/main" val="20000"/>
                     </a:ext>
                   </a:extLst>
                 </a:gridCol>
                 <a:gridCol w="1539240">
                   <a:extLst>
                     <a:ext uri="{9D8B030D-6E8A-4147-A177-3AD203B41FA5}">
-                      <a16:colId xmlns:a16="http://schemas.microsoft.com/office/drawing/2014/main" xmlns="" val="20001"/>
+                      <a16:colId xmlns="" xmlns:a16="http://schemas.microsoft.com/office/drawing/2014/main" val="20001"/>
                     </a:ext>
                   </a:extLst>
                 </a:gridCol>
                 <a:gridCol w="1539240">
                   <a:extLst>
                     <a:ext uri="{9D8B030D-6E8A-4147-A177-3AD203B41FA5}">
-                      <a16:colId xmlns:a16="http://schemas.microsoft.com/office/drawing/2014/main" xmlns="" val="20002"/>
+                      <a16:colId xmlns="" xmlns:a16="http://schemas.microsoft.com/office/drawing/2014/main" val="20002"/>
                     </a:ext>
                   </a:extLst>
                 </a:gridCol>
                 <a:gridCol w="1539240">
                   <a:extLst>
                     <a:ext uri="{9D8B030D-6E8A-4147-A177-3AD203B41FA5}">
-                      <a16:colId xmlns:a16="http://schemas.microsoft.com/office/drawing/2014/main" xmlns="" val="20003"/>
+                      <a16:colId xmlns="" xmlns:a16="http://schemas.microsoft.com/office/drawing/2014/main" val="20003"/>
                     </a:ext>
                   </a:extLst>
                 </a:gridCol>
                 <a:gridCol w="1539240">
                   <a:extLst>
                     <a:ext uri="{9D8B030D-6E8A-4147-A177-3AD203B41FA5}">
-                      <a16:colId xmlns:a16="http://schemas.microsoft.com/office/drawing/2014/main" xmlns="" val="20004"/>
+                      <a16:colId xmlns="" xmlns:a16="http://schemas.microsoft.com/office/drawing/2014/main" val="20004"/>
                     </a:ext>
                   </a:extLst>
                 </a:gridCol>
@@ -6818,7 +6818,7 @@
                 </a:tc>
                 <a:extLst>
                   <a:ext uri="{0D108BD9-81ED-4DB2-BD59-A6C34878D82A}">
-                    <a16:rowId xmlns:a16="http://schemas.microsoft.com/office/drawing/2014/main" xmlns="" val="10000"/>
+                    <a16:rowId xmlns="" xmlns:a16="http://schemas.microsoft.com/office/drawing/2014/main" val="10000"/>
                   </a:ext>
                 </a:extLst>
               </a:tr>
@@ -7194,7 +7194,7 @@
                 </a:tc>
                 <a:extLst>
                   <a:ext uri="{0D108BD9-81ED-4DB2-BD59-A6C34878D82A}">
-                    <a16:rowId xmlns:a16="http://schemas.microsoft.com/office/drawing/2014/main" xmlns="" val="10001"/>
+                    <a16:rowId xmlns="" xmlns:a16="http://schemas.microsoft.com/office/drawing/2014/main" val="10001"/>
                   </a:ext>
                 </a:extLst>
               </a:tr>
@@ -7558,7 +7558,7 @@
                 </a:tc>
                 <a:extLst>
                   <a:ext uri="{0D108BD9-81ED-4DB2-BD59-A6C34878D82A}">
-                    <a16:rowId xmlns:a16="http://schemas.microsoft.com/office/drawing/2014/main" xmlns="" val="2470469174"/>
+                    <a16:rowId xmlns="" xmlns:a16="http://schemas.microsoft.com/office/drawing/2014/main" val="2470469174"/>
                   </a:ext>
                 </a:extLst>
               </a:tr>
@@ -7922,7 +7922,7 @@
                 </a:tc>
                 <a:extLst>
                   <a:ext uri="{0D108BD9-81ED-4DB2-BD59-A6C34878D82A}">
-                    <a16:rowId xmlns:a16="http://schemas.microsoft.com/office/drawing/2014/main" xmlns="" val="367061047"/>
+                    <a16:rowId xmlns="" xmlns:a16="http://schemas.microsoft.com/office/drawing/2014/main" val="367061047"/>
                   </a:ext>
                 </a:extLst>
               </a:tr>
@@ -8286,7 +8286,7 @@
                 </a:tc>
                 <a:extLst>
                   <a:ext uri="{0D108BD9-81ED-4DB2-BD59-A6C34878D82A}">
-                    <a16:rowId xmlns:a16="http://schemas.microsoft.com/office/drawing/2014/main" xmlns="" val="867905450"/>
+                    <a16:rowId xmlns="" xmlns:a16="http://schemas.microsoft.com/office/drawing/2014/main" val="867905450"/>
                   </a:ext>
                 </a:extLst>
               </a:tr>
@@ -11066,7 +11066,6 @@
               <a:rPr lang="en-US" dirty="0"/>
               <a:t>Diagram:</a:t>
             </a:r>
-            <a:endParaRPr lang="en-US" dirty="0"/>
           </a:p>
         </p:txBody>
       </p:sp>
@@ -18606,11 +18605,7 @@
           <a:p>
             <a:r>
               <a:rPr lang="en-US" dirty="0" smtClean="0"/>
-              <a:t>Design </a:t>
-            </a:r>
-            <a:r>
-              <a:rPr lang="en-US" dirty="0" smtClean="0"/>
-              <a:t>Choices:</a:t>
+              <a:t>Design Choices:</a:t>
             </a:r>
           </a:p>
           <a:p>
@@ -18755,11 +18750,7 @@
           <a:p>
             <a:r>
               <a:rPr lang="en-US" dirty="0" smtClean="0"/>
-              <a:t>State Diagram</a:t>
-            </a:r>
-            <a:r>
-              <a:rPr lang="en-US" dirty="0" smtClean="0"/>
-              <a:t>:</a:t>
+              <a:t>State Diagram:</a:t>
             </a:r>
             <a:endParaRPr lang="en-US" dirty="0"/>
           </a:p>
@@ -18931,11 +18922,7 @@
             <a:pPr marL="800100" lvl="1" indent="-342900"/>
             <a:r>
               <a:rPr lang="en-US" dirty="0" smtClean="0"/>
-              <a:t>HTML, CSS, PHP, </a:t>
-            </a:r>
-            <a:r>
-              <a:rPr lang="en-US" dirty="0" smtClean="0"/>
-              <a:t>JavaScript</a:t>
+              <a:t>HTML, CSS, PHP, JavaScript</a:t>
             </a:r>
             <a:endParaRPr lang="en-US" dirty="0"/>
           </a:p>
@@ -18957,22 +18944,14 @@
             </a:r>
             <a:r>
               <a:rPr lang="en-US" dirty="0" smtClean="0"/>
-              <a:t>, </a:t>
-            </a:r>
+              <a:t>, AJAX</a:t>
+            </a:r>
+            <a:endParaRPr lang="en-US" b="0" dirty="0" smtClean="0"/>
+          </a:p>
+          <a:p>
             <a:r>
               <a:rPr lang="en-US" dirty="0" smtClean="0"/>
-              <a:t>AJAX</a:t>
-            </a:r>
-            <a:endParaRPr lang="en-US" b="0" dirty="0" smtClean="0"/>
-          </a:p>
-          <a:p>
-            <a:r>
-              <a:rPr lang="en-US" dirty="0" smtClean="0"/>
-              <a:t>Testing</a:t>
-            </a:r>
-            <a:r>
-              <a:rPr lang="en-US" dirty="0" smtClean="0"/>
-              <a:t>:</a:t>
+              <a:t>Testing:</a:t>
             </a:r>
             <a:endParaRPr lang="en-US" dirty="0"/>
           </a:p>
@@ -26264,7 +26243,7 @@
         </p:spPr>
         <p:txBody>
           <a:bodyPr>
-            <a:normAutofit fontScale="92500" lnSpcReduction="10000"/>
+            <a:normAutofit lnSpcReduction="10000"/>
           </a:bodyPr>
           <a:lstStyle/>
           <a:p>
@@ -26307,16 +26286,10 @@
           <a:p>
             <a:pPr marL="1485900" lvl="2" indent="-342900"/>
             <a:r>
-              <a:rPr lang="en-US" dirty="0"/>
+              <a:rPr lang="en-US" dirty="0" smtClean="0"/>
               <a:t>Delete</a:t>
             </a:r>
-          </a:p>
-          <a:p>
-            <a:pPr marL="1485900" lvl="2" indent="-342900"/>
-            <a:r>
-              <a:rPr lang="en-US" dirty="0"/>
-              <a:t>Add</a:t>
-            </a:r>
+            <a:endParaRPr lang="en-US" dirty="0"/>
           </a:p>
           <a:p>
             <a:pPr marL="1485900" lvl="2" indent="-342900"/>
@@ -26602,8 +26575,18 @@
           <a:lstStyle/>
           <a:p>
             <a:r>
+              <a:rPr lang="en-US" smtClean="0"/>
+              <a:t>Subsystem</a:t>
+            </a:r>
+          </a:p>
+          <a:p>
+            <a:r>
+              <a:rPr lang="en-US" dirty="0" smtClean="0"/>
+              <a:t>Diagram</a:t>
+            </a:r>
+            <a:r>
               <a:rPr lang="en-US" dirty="0"/>
-              <a:t>Diagram:</a:t>
+              <a:t>:</a:t>
             </a:r>
           </a:p>
         </p:txBody>
@@ -26613,7 +26596,7 @@
           <p:cNvPr id="1026" name="Picture 2" descr="https://lh6.googleusercontent.com/GB9n3x_6UnLrYlyb-qZNdLxw8Iy4fFDKIC7wgbMCWQMnSi9j7BEC_b2cfW-9q0D7bL52h0qxeni3XFtocyaWrMhDaxFbUc0Xh8ZM9Dmh8hcdr5Ok-eFzASCsiKREGpUq7GJMJdO7">
             <a:extLst>
               <a:ext uri="{FF2B5EF4-FFF2-40B4-BE49-F238E27FC236}">
-                <a16:creationId xmlns:a16="http://schemas.microsoft.com/office/drawing/2014/main" xmlns="" id="{8D43D5C9-F2BE-4B88-A50F-F57E063D9B3B}"/>
+                <a16:creationId xmlns="" xmlns:a16="http://schemas.microsoft.com/office/drawing/2014/main" id="{8D43D5C9-F2BE-4B88-A50F-F57E063D9B3B}"/>
               </a:ext>
             </a:extLst>
           </p:cNvPr>

--- a/Presentation/Survey System - Progress Presentation 4.pptx
+++ b/Presentation/Survey System - Progress Presentation 4.pptx
@@ -5,7 +5,7 @@
     <p:sldMasterId id="2147483660" r:id="rId1"/>
   </p:sldMasterIdLst>
   <p:notesMasterIdLst>
-    <p:notesMasterId r:id="rId48"/>
+    <p:notesMasterId r:id="rId51"/>
   </p:notesMasterIdLst>
   <p:sldIdLst>
     <p:sldId id="256" r:id="rId2"/>
@@ -52,8 +52,11 @@
     <p:sldId id="264" r:id="rId43"/>
     <p:sldId id="297" r:id="rId44"/>
     <p:sldId id="298" r:id="rId45"/>
-    <p:sldId id="299" r:id="rId46"/>
-    <p:sldId id="300" r:id="rId47"/>
+    <p:sldId id="321" r:id="rId46"/>
+    <p:sldId id="322" r:id="rId47"/>
+    <p:sldId id="323" r:id="rId48"/>
+    <p:sldId id="299" r:id="rId49"/>
+    <p:sldId id="300" r:id="rId50"/>
   </p:sldIdLst>
   <p:sldSz cx="9144000" cy="6858000" type="screen4x3"/>
   <p:notesSz cx="6858000" cy="9144000"/>
@@ -4151,35 +4154,35 @@
                 <a:gridCol w="1539240">
                   <a:extLst>
                     <a:ext uri="{9D8B030D-6E8A-4147-A177-3AD203B41FA5}">
-                      <a16:colId xmlns="" xmlns:a16="http://schemas.microsoft.com/office/drawing/2014/main" val="20000"/>
+                      <a16:colId xmlns:a16="http://schemas.microsoft.com/office/drawing/2014/main" xmlns="" val="20000"/>
                     </a:ext>
                   </a:extLst>
                 </a:gridCol>
                 <a:gridCol w="1539240">
                   <a:extLst>
                     <a:ext uri="{9D8B030D-6E8A-4147-A177-3AD203B41FA5}">
-                      <a16:colId xmlns="" xmlns:a16="http://schemas.microsoft.com/office/drawing/2014/main" val="20001"/>
+                      <a16:colId xmlns:a16="http://schemas.microsoft.com/office/drawing/2014/main" xmlns="" val="20001"/>
                     </a:ext>
                   </a:extLst>
                 </a:gridCol>
                 <a:gridCol w="1539240">
                   <a:extLst>
                     <a:ext uri="{9D8B030D-6E8A-4147-A177-3AD203B41FA5}">
-                      <a16:colId xmlns="" xmlns:a16="http://schemas.microsoft.com/office/drawing/2014/main" val="20002"/>
+                      <a16:colId xmlns:a16="http://schemas.microsoft.com/office/drawing/2014/main" xmlns="" val="20002"/>
                     </a:ext>
                   </a:extLst>
                 </a:gridCol>
                 <a:gridCol w="1539240">
                   <a:extLst>
                     <a:ext uri="{9D8B030D-6E8A-4147-A177-3AD203B41FA5}">
-                      <a16:colId xmlns="" xmlns:a16="http://schemas.microsoft.com/office/drawing/2014/main" val="20003"/>
+                      <a16:colId xmlns:a16="http://schemas.microsoft.com/office/drawing/2014/main" xmlns="" val="20003"/>
                     </a:ext>
                   </a:extLst>
                 </a:gridCol>
                 <a:gridCol w="1539240">
                   <a:extLst>
                     <a:ext uri="{9D8B030D-6E8A-4147-A177-3AD203B41FA5}">
-                      <a16:colId xmlns="" xmlns:a16="http://schemas.microsoft.com/office/drawing/2014/main" val="20004"/>
+                      <a16:colId xmlns:a16="http://schemas.microsoft.com/office/drawing/2014/main" xmlns="" val="20004"/>
                     </a:ext>
                   </a:extLst>
                 </a:gridCol>
@@ -4496,7 +4499,7 @@
                 </a:tc>
                 <a:extLst>
                   <a:ext uri="{0D108BD9-81ED-4DB2-BD59-A6C34878D82A}">
-                    <a16:rowId xmlns="" xmlns:a16="http://schemas.microsoft.com/office/drawing/2014/main" val="10000"/>
+                    <a16:rowId xmlns:a16="http://schemas.microsoft.com/office/drawing/2014/main" xmlns="" val="10000"/>
                   </a:ext>
                 </a:extLst>
               </a:tr>
@@ -4851,7 +4854,7 @@
                 </a:tc>
                 <a:extLst>
                   <a:ext uri="{0D108BD9-81ED-4DB2-BD59-A6C34878D82A}">
-                    <a16:rowId xmlns="" xmlns:a16="http://schemas.microsoft.com/office/drawing/2014/main" val="10001"/>
+                    <a16:rowId xmlns:a16="http://schemas.microsoft.com/office/drawing/2014/main" xmlns="" val="10001"/>
                   </a:ext>
                 </a:extLst>
               </a:tr>
@@ -5234,7 +5237,7 @@
                 </a:tc>
                 <a:extLst>
                   <a:ext uri="{0D108BD9-81ED-4DB2-BD59-A6C34878D82A}">
-                    <a16:rowId xmlns="" xmlns:a16="http://schemas.microsoft.com/office/drawing/2014/main" val="2470469174"/>
+                    <a16:rowId xmlns:a16="http://schemas.microsoft.com/office/drawing/2014/main" xmlns="" val="2470469174"/>
                   </a:ext>
                 </a:extLst>
               </a:tr>
@@ -5598,7 +5601,7 @@
                 </a:tc>
                 <a:extLst>
                   <a:ext uri="{0D108BD9-81ED-4DB2-BD59-A6C34878D82A}">
-                    <a16:rowId xmlns="" xmlns:a16="http://schemas.microsoft.com/office/drawing/2014/main" val="367061047"/>
+                    <a16:rowId xmlns:a16="http://schemas.microsoft.com/office/drawing/2014/main" xmlns="" val="367061047"/>
                   </a:ext>
                 </a:extLst>
               </a:tr>
@@ -5962,7 +5965,7 @@
                 </a:tc>
                 <a:extLst>
                   <a:ext uri="{0D108BD9-81ED-4DB2-BD59-A6C34878D82A}">
-                    <a16:rowId xmlns="" xmlns:a16="http://schemas.microsoft.com/office/drawing/2014/main" val="867905450"/>
+                    <a16:rowId xmlns:a16="http://schemas.microsoft.com/office/drawing/2014/main" xmlns="" val="867905450"/>
                   </a:ext>
                 </a:extLst>
               </a:tr>
@@ -6326,7 +6329,7 @@
                 </a:tc>
                 <a:extLst>
                   <a:ext uri="{0D108BD9-81ED-4DB2-BD59-A6C34878D82A}">
-                    <a16:rowId xmlns="" xmlns:a16="http://schemas.microsoft.com/office/drawing/2014/main" val="3605993288"/>
+                    <a16:rowId xmlns:a16="http://schemas.microsoft.com/office/drawing/2014/main" xmlns="" val="3605993288"/>
                   </a:ext>
                 </a:extLst>
               </a:tr>
@@ -6473,35 +6476,35 @@
                 <a:gridCol w="1539240">
                   <a:extLst>
                     <a:ext uri="{9D8B030D-6E8A-4147-A177-3AD203B41FA5}">
-                      <a16:colId xmlns="" xmlns:a16="http://schemas.microsoft.com/office/drawing/2014/main" val="20000"/>
+                      <a16:colId xmlns:a16="http://schemas.microsoft.com/office/drawing/2014/main" xmlns="" val="20000"/>
                     </a:ext>
                   </a:extLst>
                 </a:gridCol>
                 <a:gridCol w="1539240">
                   <a:extLst>
                     <a:ext uri="{9D8B030D-6E8A-4147-A177-3AD203B41FA5}">
-                      <a16:colId xmlns="" xmlns:a16="http://schemas.microsoft.com/office/drawing/2014/main" val="20001"/>
+                      <a16:colId xmlns:a16="http://schemas.microsoft.com/office/drawing/2014/main" xmlns="" val="20001"/>
                     </a:ext>
                   </a:extLst>
                 </a:gridCol>
                 <a:gridCol w="1539240">
                   <a:extLst>
                     <a:ext uri="{9D8B030D-6E8A-4147-A177-3AD203B41FA5}">
-                      <a16:colId xmlns="" xmlns:a16="http://schemas.microsoft.com/office/drawing/2014/main" val="20002"/>
+                      <a16:colId xmlns:a16="http://schemas.microsoft.com/office/drawing/2014/main" xmlns="" val="20002"/>
                     </a:ext>
                   </a:extLst>
                 </a:gridCol>
                 <a:gridCol w="1539240">
                   <a:extLst>
                     <a:ext uri="{9D8B030D-6E8A-4147-A177-3AD203B41FA5}">
-                      <a16:colId xmlns="" xmlns:a16="http://schemas.microsoft.com/office/drawing/2014/main" val="20003"/>
+                      <a16:colId xmlns:a16="http://schemas.microsoft.com/office/drawing/2014/main" xmlns="" val="20003"/>
                     </a:ext>
                   </a:extLst>
                 </a:gridCol>
                 <a:gridCol w="1539240">
                   <a:extLst>
                     <a:ext uri="{9D8B030D-6E8A-4147-A177-3AD203B41FA5}">
-                      <a16:colId xmlns="" xmlns:a16="http://schemas.microsoft.com/office/drawing/2014/main" val="20004"/>
+                      <a16:colId xmlns:a16="http://schemas.microsoft.com/office/drawing/2014/main" xmlns="" val="20004"/>
                     </a:ext>
                   </a:extLst>
                 </a:gridCol>
@@ -6818,7 +6821,7 @@
                 </a:tc>
                 <a:extLst>
                   <a:ext uri="{0D108BD9-81ED-4DB2-BD59-A6C34878D82A}">
-                    <a16:rowId xmlns="" xmlns:a16="http://schemas.microsoft.com/office/drawing/2014/main" val="10000"/>
+                    <a16:rowId xmlns:a16="http://schemas.microsoft.com/office/drawing/2014/main" xmlns="" val="10000"/>
                   </a:ext>
                 </a:extLst>
               </a:tr>
@@ -7194,7 +7197,7 @@
                 </a:tc>
                 <a:extLst>
                   <a:ext uri="{0D108BD9-81ED-4DB2-BD59-A6C34878D82A}">
-                    <a16:rowId xmlns="" xmlns:a16="http://schemas.microsoft.com/office/drawing/2014/main" val="10001"/>
+                    <a16:rowId xmlns:a16="http://schemas.microsoft.com/office/drawing/2014/main" xmlns="" val="10001"/>
                   </a:ext>
                 </a:extLst>
               </a:tr>
@@ -7558,7 +7561,7 @@
                 </a:tc>
                 <a:extLst>
                   <a:ext uri="{0D108BD9-81ED-4DB2-BD59-A6C34878D82A}">
-                    <a16:rowId xmlns="" xmlns:a16="http://schemas.microsoft.com/office/drawing/2014/main" val="2470469174"/>
+                    <a16:rowId xmlns:a16="http://schemas.microsoft.com/office/drawing/2014/main" xmlns="" val="2470469174"/>
                   </a:ext>
                 </a:extLst>
               </a:tr>
@@ -7922,7 +7925,7 @@
                 </a:tc>
                 <a:extLst>
                   <a:ext uri="{0D108BD9-81ED-4DB2-BD59-A6C34878D82A}">
-                    <a16:rowId xmlns="" xmlns:a16="http://schemas.microsoft.com/office/drawing/2014/main" val="367061047"/>
+                    <a16:rowId xmlns:a16="http://schemas.microsoft.com/office/drawing/2014/main" xmlns="" val="367061047"/>
                   </a:ext>
                 </a:extLst>
               </a:tr>
@@ -8286,7 +8289,7 @@
                 </a:tc>
                 <a:extLst>
                   <a:ext uri="{0D108BD9-81ED-4DB2-BD59-A6C34878D82A}">
-                    <a16:rowId xmlns="" xmlns:a16="http://schemas.microsoft.com/office/drawing/2014/main" val="867905450"/>
+                    <a16:rowId xmlns:a16="http://schemas.microsoft.com/office/drawing/2014/main" xmlns="" val="867905450"/>
                   </a:ext>
                 </a:extLst>
               </a:tr>
@@ -24615,6 +24618,635 @@
       </p:sp>
       <p:sp>
         <p:nvSpPr>
+          <p:cNvPr id="5" name="Content Placeholder 4"/>
+          <p:cNvSpPr>
+            <a:spLocks noGrp="1"/>
+          </p:cNvSpPr>
+          <p:nvPr>
+            <p:ph idx="1"/>
+          </p:nvPr>
+        </p:nvSpPr>
+        <p:spPr/>
+        <p:txBody>
+          <a:bodyPr>
+            <a:normAutofit fontScale="92500" lnSpcReduction="10000"/>
+          </a:bodyPr>
+          <a:lstStyle/>
+          <a:p>
+            <a:r>
+              <a:rPr lang="en-US" dirty="0" smtClean="0"/>
+              <a:t>Data Dictionary:</a:t>
+            </a:r>
+          </a:p>
+          <a:p>
+            <a:pPr lvl="1"/>
+            <a:r>
+              <a:rPr lang="en-US" dirty="0"/>
+              <a:t>Company:</a:t>
+            </a:r>
+          </a:p>
+          <a:p>
+            <a:pPr marL="274320" lvl="1" indent="0">
+              <a:buNone/>
+            </a:pPr>
+            <a:r>
+              <a:rPr lang="en-US" u="sng" dirty="0"/>
+              <a:t>ID</a:t>
+            </a:r>
+            <a:r>
+              <a:rPr lang="en-US" dirty="0"/>
+              <a:t> (SMALLINT) – Auto Increment ID</a:t>
+            </a:r>
+          </a:p>
+          <a:p>
+            <a:pPr marL="274320" lvl="1" indent="0">
+              <a:buNone/>
+            </a:pPr>
+            <a:r>
+              <a:rPr lang="en-US" dirty="0"/>
+              <a:t>Name (VARCHAR) – Name of the company</a:t>
+            </a:r>
+          </a:p>
+          <a:p>
+            <a:pPr marL="274320" lvl="1" indent="0">
+              <a:buNone/>
+            </a:pPr>
+            <a:r>
+              <a:rPr lang="en-US" dirty="0"/>
+              <a:t>Email (VARCHAR) – Email of company contact</a:t>
+            </a:r>
+          </a:p>
+          <a:p>
+            <a:pPr marL="274320" lvl="1" indent="0">
+              <a:buNone/>
+            </a:pPr>
+            <a:r>
+              <a:rPr lang="en-US" dirty="0"/>
+              <a:t>Phone (VARCHAR) – Phone number of contact</a:t>
+            </a:r>
+          </a:p>
+          <a:p>
+            <a:pPr marL="274320" lvl="1" indent="0">
+              <a:buNone/>
+            </a:pPr>
+            <a:r>
+              <a:rPr lang="en-US" dirty="0"/>
+              <a:t>Address (VARCHAR) – Address of the company</a:t>
+            </a:r>
+          </a:p>
+          <a:p>
+            <a:pPr marL="274320" lvl="1" indent="0">
+              <a:buNone/>
+            </a:pPr>
+            <a:endParaRPr lang="en-US" dirty="0"/>
+          </a:p>
+          <a:p>
+            <a:pPr lvl="1"/>
+            <a:r>
+              <a:rPr lang="en-US" dirty="0"/>
+              <a:t>Survey:</a:t>
+            </a:r>
+          </a:p>
+          <a:p>
+            <a:pPr marL="274320" lvl="1" indent="0">
+              <a:buNone/>
+            </a:pPr>
+            <a:r>
+              <a:rPr lang="en-US" u="sng" dirty="0"/>
+              <a:t>ID</a:t>
+            </a:r>
+            <a:r>
+              <a:rPr lang="en-US" dirty="0"/>
+              <a:t> (INT) – Auto Increment ID</a:t>
+            </a:r>
+          </a:p>
+          <a:p>
+            <a:pPr marL="274320" lvl="1" indent="0">
+              <a:buNone/>
+            </a:pPr>
+            <a:r>
+              <a:rPr lang="en-US" dirty="0"/>
+              <a:t>CID (SMALLINT) – Company ID (one company, many surveys)</a:t>
+            </a:r>
+          </a:p>
+          <a:p>
+            <a:pPr marL="274320" lvl="1" indent="0">
+              <a:buNone/>
+            </a:pPr>
+            <a:r>
+              <a:rPr lang="en-US" dirty="0" err="1"/>
+              <a:t>StartDate</a:t>
+            </a:r>
+            <a:r>
+              <a:rPr lang="en-US" dirty="0"/>
+              <a:t> (DATE) – The start date for the survey</a:t>
+            </a:r>
+          </a:p>
+          <a:p>
+            <a:pPr marL="274320" lvl="1" indent="0">
+              <a:buNone/>
+            </a:pPr>
+            <a:r>
+              <a:rPr lang="en-US" dirty="0" err="1"/>
+              <a:t>EndDate</a:t>
+            </a:r>
+            <a:r>
+              <a:rPr lang="en-US" dirty="0"/>
+              <a:t> (DATE) – The end date for the survey</a:t>
+            </a:r>
+          </a:p>
+        </p:txBody>
+      </p:sp>
+    </p:spTree>
+    <p:extLst>
+      <p:ext uri="{BB962C8B-B14F-4D97-AF65-F5344CB8AC3E}">
+        <p14:creationId xmlns:p14="http://schemas.microsoft.com/office/powerpoint/2010/main" val="3642305310"/>
+      </p:ext>
+    </p:extLst>
+  </p:cSld>
+  <p:clrMapOvr>
+    <a:masterClrMapping/>
+  </p:clrMapOvr>
+  <p:timing>
+    <p:tnLst>
+      <p:par>
+        <p:cTn id="1" dur="indefinite" restart="never" nodeType="tmRoot"/>
+      </p:par>
+    </p:tnLst>
+  </p:timing>
+</p:sld>
+</file>
+
+<file path=ppt/slides/slide46.xml><?xml version="1.0" encoding="utf-8"?>
+<p:sld xmlns:a="http://schemas.openxmlformats.org/drawingml/2006/main" xmlns:r="http://schemas.openxmlformats.org/officeDocument/2006/relationships" xmlns:p="http://schemas.openxmlformats.org/presentationml/2006/main">
+  <p:cSld>
+    <p:spTree>
+      <p:nvGrpSpPr>
+        <p:cNvPr id="1" name=""/>
+        <p:cNvGrpSpPr/>
+        <p:nvPr/>
+      </p:nvGrpSpPr>
+      <p:grpSpPr>
+        <a:xfrm>
+          <a:off x="0" y="0"/>
+          <a:ext cx="0" cy="0"/>
+          <a:chOff x="0" y="0"/>
+          <a:chExt cx="0" cy="0"/>
+        </a:xfrm>
+      </p:grpSpPr>
+      <p:sp>
+        <p:nvSpPr>
+          <p:cNvPr id="2" name="Title 1"/>
+          <p:cNvSpPr>
+            <a:spLocks noGrp="1"/>
+          </p:cNvSpPr>
+          <p:nvPr>
+            <p:ph type="title"/>
+          </p:nvPr>
+        </p:nvSpPr>
+        <p:spPr/>
+        <p:txBody>
+          <a:bodyPr/>
+          <a:lstStyle/>
+          <a:p>
+            <a:r>
+              <a:rPr lang="en-US" dirty="0"/>
+              <a:t>Subsystem 7:</a:t>
+            </a:r>
+            <a:br>
+              <a:rPr lang="en-US" dirty="0"/>
+            </a:br>
+            <a:r>
+              <a:rPr lang="en-US" dirty="0"/>
+              <a:t>database</a:t>
+            </a:r>
+          </a:p>
+        </p:txBody>
+      </p:sp>
+      <p:sp>
+        <p:nvSpPr>
+          <p:cNvPr id="5" name="Content Placeholder 4"/>
+          <p:cNvSpPr>
+            <a:spLocks noGrp="1"/>
+          </p:cNvSpPr>
+          <p:nvPr>
+            <p:ph idx="1"/>
+          </p:nvPr>
+        </p:nvSpPr>
+        <p:spPr/>
+        <p:txBody>
+          <a:bodyPr>
+            <a:normAutofit/>
+          </a:bodyPr>
+          <a:lstStyle/>
+          <a:p>
+            <a:r>
+              <a:rPr lang="en-US" dirty="0" smtClean="0"/>
+              <a:t>Data Dictionary (continue):</a:t>
+            </a:r>
+          </a:p>
+          <a:p>
+            <a:pPr lvl="1"/>
+            <a:r>
+              <a:rPr lang="en-US" dirty="0"/>
+              <a:t>Department:</a:t>
+            </a:r>
+          </a:p>
+          <a:p>
+            <a:pPr marL="274320" lvl="1" indent="0">
+              <a:buNone/>
+            </a:pPr>
+            <a:r>
+              <a:rPr lang="en-US" u="sng" dirty="0"/>
+              <a:t>ID</a:t>
+            </a:r>
+            <a:r>
+              <a:rPr lang="en-US" dirty="0"/>
+              <a:t> (INT) – Auto Increment ID</a:t>
+            </a:r>
+          </a:p>
+          <a:p>
+            <a:pPr marL="274320" lvl="1" indent="0">
+              <a:buNone/>
+            </a:pPr>
+            <a:r>
+              <a:rPr lang="en-US" dirty="0"/>
+              <a:t>SID (INT) – Survey ID (one survey, many departments)</a:t>
+            </a:r>
+          </a:p>
+          <a:p>
+            <a:pPr marL="274320" lvl="1" indent="0">
+              <a:buNone/>
+            </a:pPr>
+            <a:r>
+              <a:rPr lang="en-US" dirty="0"/>
+              <a:t>Name (VARCHAR) – Name of the company</a:t>
+            </a:r>
+          </a:p>
+          <a:p>
+            <a:pPr marL="274320" lvl="1" indent="0">
+              <a:buNone/>
+            </a:pPr>
+            <a:endParaRPr lang="en-US" dirty="0"/>
+          </a:p>
+          <a:p>
+            <a:pPr lvl="1"/>
+            <a:r>
+              <a:rPr lang="en-US" dirty="0"/>
+              <a:t>Participant:</a:t>
+            </a:r>
+          </a:p>
+          <a:p>
+            <a:pPr marL="274320" lvl="1" indent="0">
+              <a:buNone/>
+            </a:pPr>
+            <a:r>
+              <a:rPr lang="en-US" u="sng" dirty="0"/>
+              <a:t>ID</a:t>
+            </a:r>
+            <a:r>
+              <a:rPr lang="en-US" dirty="0"/>
+              <a:t> (VARCHAR) – Generated string of 100 characters</a:t>
+            </a:r>
+          </a:p>
+          <a:p>
+            <a:pPr marL="274320" lvl="1" indent="0">
+              <a:buNone/>
+            </a:pPr>
+            <a:r>
+              <a:rPr lang="en-US" dirty="0"/>
+              <a:t>DID (INT) – Department ID (one department, many participants)</a:t>
+            </a:r>
+          </a:p>
+          <a:p>
+            <a:pPr marL="274320" lvl="1" indent="0">
+              <a:buNone/>
+            </a:pPr>
+            <a:r>
+              <a:rPr lang="en-US" dirty="0"/>
+              <a:t>Email (VARCHAR) – The participant’s email</a:t>
+            </a:r>
+          </a:p>
+          <a:p>
+            <a:pPr marL="274320" lvl="1" indent="0">
+              <a:buNone/>
+            </a:pPr>
+            <a:r>
+              <a:rPr lang="en-US" dirty="0"/>
+              <a:t>Submitted (TINYINT) – Indicated submission status (</a:t>
+            </a:r>
+            <a:r>
+              <a:rPr lang="en-US" dirty="0" err="1"/>
+              <a:t>boolean</a:t>
+            </a:r>
+            <a:r>
+              <a:rPr lang="en-US" dirty="0"/>
+              <a:t>)</a:t>
+            </a:r>
+          </a:p>
+        </p:txBody>
+      </p:sp>
+    </p:spTree>
+    <p:extLst>
+      <p:ext uri="{BB962C8B-B14F-4D97-AF65-F5344CB8AC3E}">
+        <p14:creationId xmlns:p14="http://schemas.microsoft.com/office/powerpoint/2010/main" val="1925602339"/>
+      </p:ext>
+    </p:extLst>
+  </p:cSld>
+  <p:clrMapOvr>
+    <a:masterClrMapping/>
+  </p:clrMapOvr>
+  <p:timing>
+    <p:tnLst>
+      <p:par>
+        <p:cTn id="1" dur="indefinite" restart="never" nodeType="tmRoot"/>
+      </p:par>
+    </p:tnLst>
+  </p:timing>
+</p:sld>
+</file>
+
+<file path=ppt/slides/slide47.xml><?xml version="1.0" encoding="utf-8"?>
+<p:sld xmlns:a="http://schemas.openxmlformats.org/drawingml/2006/main" xmlns:r="http://schemas.openxmlformats.org/officeDocument/2006/relationships" xmlns:p="http://schemas.openxmlformats.org/presentationml/2006/main">
+  <p:cSld>
+    <p:spTree>
+      <p:nvGrpSpPr>
+        <p:cNvPr id="1" name=""/>
+        <p:cNvGrpSpPr/>
+        <p:nvPr/>
+      </p:nvGrpSpPr>
+      <p:grpSpPr>
+        <a:xfrm>
+          <a:off x="0" y="0"/>
+          <a:ext cx="0" cy="0"/>
+          <a:chOff x="0" y="0"/>
+          <a:chExt cx="0" cy="0"/>
+        </a:xfrm>
+      </p:grpSpPr>
+      <p:sp>
+        <p:nvSpPr>
+          <p:cNvPr id="2" name="Title 1"/>
+          <p:cNvSpPr>
+            <a:spLocks noGrp="1"/>
+          </p:cNvSpPr>
+          <p:nvPr>
+            <p:ph type="title"/>
+          </p:nvPr>
+        </p:nvSpPr>
+        <p:spPr/>
+        <p:txBody>
+          <a:bodyPr/>
+          <a:lstStyle/>
+          <a:p>
+            <a:r>
+              <a:rPr lang="en-US" dirty="0"/>
+              <a:t>Subsystem 7:</a:t>
+            </a:r>
+            <a:br>
+              <a:rPr lang="en-US" dirty="0"/>
+            </a:br>
+            <a:r>
+              <a:rPr lang="en-US" dirty="0"/>
+              <a:t>database</a:t>
+            </a:r>
+          </a:p>
+        </p:txBody>
+      </p:sp>
+      <p:sp>
+        <p:nvSpPr>
+          <p:cNvPr id="5" name="Content Placeholder 4"/>
+          <p:cNvSpPr>
+            <a:spLocks noGrp="1"/>
+          </p:cNvSpPr>
+          <p:nvPr>
+            <p:ph idx="1"/>
+          </p:nvPr>
+        </p:nvSpPr>
+        <p:spPr/>
+        <p:txBody>
+          <a:bodyPr>
+            <a:normAutofit fontScale="85000" lnSpcReduction="20000"/>
+          </a:bodyPr>
+          <a:lstStyle/>
+          <a:p>
+            <a:r>
+              <a:rPr lang="en-US" dirty="0" smtClean="0"/>
+              <a:t>Data Dictionary (continue):</a:t>
+            </a:r>
+          </a:p>
+          <a:p>
+            <a:pPr lvl="1"/>
+            <a:r>
+              <a:rPr lang="en-US" dirty="0"/>
+              <a:t>Question:</a:t>
+            </a:r>
+          </a:p>
+          <a:p>
+            <a:pPr marL="274320" lvl="1" indent="0">
+              <a:buNone/>
+            </a:pPr>
+            <a:r>
+              <a:rPr lang="en-US" u="sng" dirty="0"/>
+              <a:t>ID</a:t>
+            </a:r>
+            <a:r>
+              <a:rPr lang="en-US" dirty="0"/>
+              <a:t> (SMALLINT) – Configurable Question ID</a:t>
+            </a:r>
+          </a:p>
+          <a:p>
+            <a:pPr marL="274320" lvl="1" indent="0">
+              <a:buNone/>
+            </a:pPr>
+            <a:r>
+              <a:rPr lang="en-US" dirty="0"/>
+              <a:t>QL (VARCHAR) – Left statement</a:t>
+            </a:r>
+          </a:p>
+          <a:p>
+            <a:pPr marL="274320" lvl="1" indent="0">
+              <a:buNone/>
+            </a:pPr>
+            <a:r>
+              <a:rPr lang="en-US" dirty="0"/>
+              <a:t>QR (VARCHAR) – Right statement</a:t>
+            </a:r>
+          </a:p>
+          <a:p>
+            <a:pPr marL="274320" lvl="1" indent="0">
+              <a:buNone/>
+            </a:pPr>
+            <a:endParaRPr lang="en-US" dirty="0"/>
+          </a:p>
+          <a:p>
+            <a:pPr lvl="1"/>
+            <a:r>
+              <a:rPr lang="en-US" dirty="0" err="1"/>
+              <a:t>SurveyQuestion</a:t>
+            </a:r>
+            <a:r>
+              <a:rPr lang="en-US" dirty="0"/>
+              <a:t> (XREF Table):</a:t>
+            </a:r>
+          </a:p>
+          <a:p>
+            <a:pPr marL="274320" lvl="1" indent="0">
+              <a:buNone/>
+            </a:pPr>
+            <a:r>
+              <a:rPr lang="en-US" u="sng" dirty="0"/>
+              <a:t>SID</a:t>
+            </a:r>
+            <a:r>
+              <a:rPr lang="en-US" dirty="0"/>
+              <a:t> (INT) – Survey ID (one survey, many question choices)</a:t>
+            </a:r>
+          </a:p>
+          <a:p>
+            <a:pPr marL="274320" lvl="1" indent="0">
+              <a:buNone/>
+            </a:pPr>
+            <a:r>
+              <a:rPr lang="en-US" u="sng" dirty="0"/>
+              <a:t>QID</a:t>
+            </a:r>
+            <a:r>
+              <a:rPr lang="en-US" dirty="0"/>
+              <a:t> (INT) – Question ID (one question, many times chosen)</a:t>
+            </a:r>
+          </a:p>
+          <a:p>
+            <a:pPr marL="274320" lvl="1" indent="0">
+              <a:buNone/>
+            </a:pPr>
+            <a:r>
+              <a:rPr lang="en-US" dirty="0"/>
+              <a:t>Order (SMALLINT) – The order of the question in the survey</a:t>
+            </a:r>
+          </a:p>
+          <a:p>
+            <a:pPr marL="274320" lvl="1" indent="0">
+              <a:buNone/>
+            </a:pPr>
+            <a:endParaRPr lang="en-US" dirty="0"/>
+          </a:p>
+          <a:p>
+            <a:pPr lvl="1"/>
+            <a:r>
+              <a:rPr lang="en-US" dirty="0"/>
+              <a:t>Response:</a:t>
+            </a:r>
+          </a:p>
+          <a:p>
+            <a:pPr marL="274320" lvl="1" indent="0">
+              <a:buNone/>
+            </a:pPr>
+            <a:r>
+              <a:rPr lang="en-US" u="sng" dirty="0"/>
+              <a:t>ID</a:t>
+            </a:r>
+            <a:r>
+              <a:rPr lang="en-US" dirty="0"/>
+              <a:t> (INT) – Auto Increment ID</a:t>
+            </a:r>
+          </a:p>
+          <a:p>
+            <a:pPr marL="274320" lvl="1" indent="0">
+              <a:buNone/>
+            </a:pPr>
+            <a:r>
+              <a:rPr lang="en-US" dirty="0"/>
+              <a:t>DID (INT) – Department ID (one department, many responses)</a:t>
+            </a:r>
+          </a:p>
+          <a:p>
+            <a:pPr marL="274320" lvl="1" indent="0">
+              <a:buNone/>
+            </a:pPr>
+            <a:r>
+              <a:rPr lang="en-US" dirty="0"/>
+              <a:t>QID (SMALLINT) – Question ID (one question, many responses)</a:t>
+            </a:r>
+          </a:p>
+          <a:p>
+            <a:pPr marL="274320" lvl="1" indent="0">
+              <a:buNone/>
+            </a:pPr>
+            <a:r>
+              <a:rPr lang="en-US" dirty="0"/>
+              <a:t>Response (TINYINT) – Participant response (1-6)</a:t>
+            </a:r>
+          </a:p>
+        </p:txBody>
+      </p:sp>
+    </p:spTree>
+    <p:extLst>
+      <p:ext uri="{BB962C8B-B14F-4D97-AF65-F5344CB8AC3E}">
+        <p14:creationId xmlns:p14="http://schemas.microsoft.com/office/powerpoint/2010/main" val="3468028916"/>
+      </p:ext>
+    </p:extLst>
+  </p:cSld>
+  <p:clrMapOvr>
+    <a:masterClrMapping/>
+  </p:clrMapOvr>
+  <p:timing>
+    <p:tnLst>
+      <p:par>
+        <p:cTn id="1" dur="indefinite" restart="never" nodeType="tmRoot"/>
+      </p:par>
+    </p:tnLst>
+  </p:timing>
+</p:sld>
+</file>
+
+<file path=ppt/slides/slide48.xml><?xml version="1.0" encoding="utf-8"?>
+<p:sld xmlns:a="http://schemas.openxmlformats.org/drawingml/2006/main" xmlns:r="http://schemas.openxmlformats.org/officeDocument/2006/relationships" xmlns:p="http://schemas.openxmlformats.org/presentationml/2006/main">
+  <p:cSld>
+    <p:spTree>
+      <p:nvGrpSpPr>
+        <p:cNvPr id="1" name=""/>
+        <p:cNvGrpSpPr/>
+        <p:nvPr/>
+      </p:nvGrpSpPr>
+      <p:grpSpPr>
+        <a:xfrm>
+          <a:off x="0" y="0"/>
+          <a:ext cx="0" cy="0"/>
+          <a:chOff x="0" y="0"/>
+          <a:chExt cx="0" cy="0"/>
+        </a:xfrm>
+      </p:grpSpPr>
+      <p:sp>
+        <p:nvSpPr>
+          <p:cNvPr id="2" name="Title 1"/>
+          <p:cNvSpPr>
+            <a:spLocks noGrp="1"/>
+          </p:cNvSpPr>
+          <p:nvPr>
+            <p:ph type="title"/>
+          </p:nvPr>
+        </p:nvSpPr>
+        <p:spPr/>
+        <p:txBody>
+          <a:bodyPr/>
+          <a:lstStyle/>
+          <a:p>
+            <a:r>
+              <a:rPr lang="en-US" dirty="0"/>
+              <a:t>Subsystem 7:</a:t>
+            </a:r>
+            <a:br>
+              <a:rPr lang="en-US" dirty="0"/>
+            </a:br>
+            <a:r>
+              <a:rPr lang="en-US" dirty="0"/>
+              <a:t>database</a:t>
+            </a:r>
+          </a:p>
+        </p:txBody>
+      </p:sp>
+      <p:sp>
+        <p:nvSpPr>
           <p:cNvPr id="3" name="Content Placeholder 2"/>
           <p:cNvSpPr>
             <a:spLocks noGrp="1"/>
@@ -24707,7 +25339,7 @@
 </p:sld>
 </file>
 
-<file path=ppt/slides/slide46.xml><?xml version="1.0" encoding="utf-8"?>
+<file path=ppt/slides/slide49.xml><?xml version="1.0" encoding="utf-8"?>
 <p:sld xmlns:a="http://schemas.openxmlformats.org/drawingml/2006/main" xmlns:r="http://schemas.openxmlformats.org/officeDocument/2006/relationships" xmlns:p="http://schemas.openxmlformats.org/presentationml/2006/main">
   <p:cSld>
     <p:spTree>
@@ -26596,7 +27228,7 @@
           <p:cNvPr id="1026" name="Picture 2" descr="https://lh6.googleusercontent.com/GB9n3x_6UnLrYlyb-qZNdLxw8Iy4fFDKIC7wgbMCWQMnSi9j7BEC_b2cfW-9q0D7bL52h0qxeni3XFtocyaWrMhDaxFbUc0Xh8ZM9Dmh8hcdr5Ok-eFzASCsiKREGpUq7GJMJdO7">
             <a:extLst>
               <a:ext uri="{FF2B5EF4-FFF2-40B4-BE49-F238E27FC236}">
-                <a16:creationId xmlns="" xmlns:a16="http://schemas.microsoft.com/office/drawing/2014/main" id="{8D43D5C9-F2BE-4B88-A50F-F57E063D9B3B}"/>
+                <a16:creationId xmlns:a16="http://schemas.microsoft.com/office/drawing/2014/main" xmlns="" id="{8D43D5C9-F2BE-4B88-A50F-F57E063D9B3B}"/>
               </a:ext>
             </a:extLst>
           </p:cNvPr>
